--- a/Big-Data-MTG-DB.pptx
+++ b/Big-Data-MTG-DB.pptx
@@ -137,7 +137,7 @@
   <pc:docChgLst>
     <pc:chgData name="Julia B." userId="c2aea6694ef050bf" providerId="LiveId" clId="{F6423F05-CEAA-4CF7-879B-C93E2C099964}"/>
     <pc:docChg chg="undo redo custSel addSld delSld modSld">
-      <pc:chgData name="Julia B." userId="c2aea6694ef050bf" providerId="LiveId" clId="{F6423F05-CEAA-4CF7-879B-C93E2C099964}" dt="2022-12-01T20:46:22.067" v="2806" actId="20577"/>
+      <pc:chgData name="Julia B." userId="c2aea6694ef050bf" providerId="LiveId" clId="{F6423F05-CEAA-4CF7-879B-C93E2C099964}" dt="2022-12-05T14:22:08.130" v="3010" actId="20577"/>
       <pc:docMkLst>
         <pc:docMk/>
       </pc:docMkLst>
@@ -196,7 +196,7 @@
         </pc:picChg>
       </pc:sldChg>
       <pc:sldChg chg="addSp delSp modSp new mod">
-        <pc:chgData name="Julia B." userId="c2aea6694ef050bf" providerId="LiveId" clId="{F6423F05-CEAA-4CF7-879B-C93E2C099964}" dt="2022-12-01T19:29:07.664" v="926" actId="12"/>
+        <pc:chgData name="Julia B." userId="c2aea6694ef050bf" providerId="LiveId" clId="{F6423F05-CEAA-4CF7-879B-C93E2C099964}" dt="2022-12-05T13:28:19.430" v="2988" actId="20577"/>
         <pc:sldMkLst>
           <pc:docMk/>
           <pc:sldMk cId="435134278" sldId="258"/>
@@ -210,7 +210,7 @@
           </ac:spMkLst>
         </pc:spChg>
         <pc:spChg chg="mod">
-          <ac:chgData name="Julia B." userId="c2aea6694ef050bf" providerId="LiveId" clId="{F6423F05-CEAA-4CF7-879B-C93E2C099964}" dt="2022-12-01T19:29:07.664" v="926" actId="12"/>
+          <ac:chgData name="Julia B." userId="c2aea6694ef050bf" providerId="LiveId" clId="{F6423F05-CEAA-4CF7-879B-C93E2C099964}" dt="2022-12-05T13:28:19.430" v="2988" actId="20577"/>
           <ac:spMkLst>
             <pc:docMk/>
             <pc:sldMk cId="435134278" sldId="258"/>
@@ -854,12 +854,20 @@
           </ac:cxnSpMkLst>
         </pc:cxnChg>
       </pc:sldChg>
-      <pc:sldChg chg="add">
-        <pc:chgData name="Julia B." userId="c2aea6694ef050bf" providerId="LiveId" clId="{F6423F05-CEAA-4CF7-879B-C93E2C099964}" dt="2022-12-01T20:00:25.132" v="1990" actId="2890"/>
+      <pc:sldChg chg="modSp add mod">
+        <pc:chgData name="Julia B." userId="c2aea6694ef050bf" providerId="LiveId" clId="{F6423F05-CEAA-4CF7-879B-C93E2C099964}" dt="2022-12-05T14:22:08.130" v="3010" actId="20577"/>
         <pc:sldMkLst>
           <pc:docMk/>
           <pc:sldMk cId="1692869938" sldId="263"/>
         </pc:sldMkLst>
+        <pc:spChg chg="mod">
+          <ac:chgData name="Julia B." userId="c2aea6694ef050bf" providerId="LiveId" clId="{F6423F05-CEAA-4CF7-879B-C93E2C099964}" dt="2022-12-05T14:22:08.130" v="3010" actId="20577"/>
+          <ac:spMkLst>
+            <pc:docMk/>
+            <pc:sldMk cId="1692869938" sldId="263"/>
+            <ac:spMk id="3" creationId="{D3DFB731-011A-CC8F-096B-143D7ED7C3A7}"/>
+          </ac:spMkLst>
+        </pc:spChg>
       </pc:sldChg>
       <pc:sldChg chg="delSp modSp add mod">
         <pc:chgData name="Julia B." userId="c2aea6694ef050bf" providerId="LiveId" clId="{F6423F05-CEAA-4CF7-879B-C93E2C099964}" dt="2022-12-01T20:06:41.394" v="2107" actId="478"/>
@@ -1049,7 +1057,7 @@
           <a:p>
             <a:fld id="{C7876C6F-4B2E-4450-9A3E-9402933F6007}" type="datetimeFigureOut">
               <a:rPr lang="en-US" smtClean="0"/>
-              <a:t>12/1/2022</a:t>
+              <a:t>12/5/2022</a:t>
             </a:fld>
             <a:endParaRPr lang="en-US"/>
           </a:p>
@@ -1747,7 +1755,7 @@
           <a:p>
             <a:fld id="{10B9F3C9-5C8F-4DEC-8995-CEBA2D280B61}" type="datetimeFigureOut">
               <a:rPr lang="en-US" smtClean="0"/>
-              <a:t>12/1/2022</a:t>
+              <a:t>12/5/2022</a:t>
             </a:fld>
             <a:endParaRPr lang="en-US"/>
           </a:p>
@@ -1947,7 +1955,7 @@
           <a:p>
             <a:fld id="{10B9F3C9-5C8F-4DEC-8995-CEBA2D280B61}" type="datetimeFigureOut">
               <a:rPr lang="en-US" smtClean="0"/>
-              <a:t>12/1/2022</a:t>
+              <a:t>12/5/2022</a:t>
             </a:fld>
             <a:endParaRPr lang="en-US"/>
           </a:p>
@@ -2157,7 +2165,7 @@
           <a:p>
             <a:fld id="{10B9F3C9-5C8F-4DEC-8995-CEBA2D280B61}" type="datetimeFigureOut">
               <a:rPr lang="en-US" smtClean="0"/>
-              <a:t>12/1/2022</a:t>
+              <a:t>12/5/2022</a:t>
             </a:fld>
             <a:endParaRPr lang="en-US"/>
           </a:p>
@@ -2357,7 +2365,7 @@
           <a:p>
             <a:fld id="{10B9F3C9-5C8F-4DEC-8995-CEBA2D280B61}" type="datetimeFigureOut">
               <a:rPr lang="en-US" smtClean="0"/>
-              <a:t>12/1/2022</a:t>
+              <a:t>12/5/2022</a:t>
             </a:fld>
             <a:endParaRPr lang="en-US"/>
           </a:p>
@@ -2633,7 +2641,7 @@
           <a:p>
             <a:fld id="{10B9F3C9-5C8F-4DEC-8995-CEBA2D280B61}" type="datetimeFigureOut">
               <a:rPr lang="en-US" smtClean="0"/>
-              <a:t>12/1/2022</a:t>
+              <a:t>12/5/2022</a:t>
             </a:fld>
             <a:endParaRPr lang="en-US"/>
           </a:p>
@@ -2901,7 +2909,7 @@
           <a:p>
             <a:fld id="{10B9F3C9-5C8F-4DEC-8995-CEBA2D280B61}" type="datetimeFigureOut">
               <a:rPr lang="en-US" smtClean="0"/>
-              <a:t>12/1/2022</a:t>
+              <a:t>12/5/2022</a:t>
             </a:fld>
             <a:endParaRPr lang="en-US"/>
           </a:p>
@@ -3316,7 +3324,7 @@
           <a:p>
             <a:fld id="{10B9F3C9-5C8F-4DEC-8995-CEBA2D280B61}" type="datetimeFigureOut">
               <a:rPr lang="en-US" smtClean="0"/>
-              <a:t>12/1/2022</a:t>
+              <a:t>12/5/2022</a:t>
             </a:fld>
             <a:endParaRPr lang="en-US"/>
           </a:p>
@@ -3458,7 +3466,7 @@
           <a:p>
             <a:fld id="{10B9F3C9-5C8F-4DEC-8995-CEBA2D280B61}" type="datetimeFigureOut">
               <a:rPr lang="en-US" smtClean="0"/>
-              <a:t>12/1/2022</a:t>
+              <a:t>12/5/2022</a:t>
             </a:fld>
             <a:endParaRPr lang="en-US"/>
           </a:p>
@@ -3571,7 +3579,7 @@
           <a:p>
             <a:fld id="{10B9F3C9-5C8F-4DEC-8995-CEBA2D280B61}" type="datetimeFigureOut">
               <a:rPr lang="en-US" smtClean="0"/>
-              <a:t>12/1/2022</a:t>
+              <a:t>12/5/2022</a:t>
             </a:fld>
             <a:endParaRPr lang="en-US"/>
           </a:p>
@@ -3884,7 +3892,7 @@
           <a:p>
             <a:fld id="{10B9F3C9-5C8F-4DEC-8995-CEBA2D280B61}" type="datetimeFigureOut">
               <a:rPr lang="en-US" smtClean="0"/>
-              <a:t>12/1/2022</a:t>
+              <a:t>12/5/2022</a:t>
             </a:fld>
             <a:endParaRPr lang="en-US"/>
           </a:p>
@@ -4173,7 +4181,7 @@
           <a:p>
             <a:fld id="{10B9F3C9-5C8F-4DEC-8995-CEBA2D280B61}" type="datetimeFigureOut">
               <a:rPr lang="en-US" smtClean="0"/>
-              <a:t>12/1/2022</a:t>
+              <a:t>12/5/2022</a:t>
             </a:fld>
             <a:endParaRPr lang="en-US"/>
           </a:p>
@@ -4416,7 +4424,7 @@
           <a:p>
             <a:fld id="{10B9F3C9-5C8F-4DEC-8995-CEBA2D280B61}" type="datetimeFigureOut">
               <a:rPr lang="en-US" smtClean="0"/>
-              <a:t>12/1/2022</a:t>
+              <a:t>12/5/2022</a:t>
             </a:fld>
             <a:endParaRPr lang="en-US"/>
           </a:p>
@@ -5163,7 +5171,7 @@
         <p:spPr/>
         <p:txBody>
           <a:bodyPr>
-            <a:normAutofit fontScale="92500" lnSpcReduction="20000"/>
+            <a:normAutofit fontScale="85000" lnSpcReduction="20000"/>
           </a:bodyPr>
           <a:lstStyle/>
           <a:p>
@@ -5243,8 +5251,9 @@
             </a:r>
           </a:p>
           <a:p>
-            <a:pPr marL="0" indent="0">
-              <a:buNone/>
+            <a:pPr lvl="2">
+              <a:buFont typeface="Symbol" panose="05050102010706020507" pitchFamily="18" charset="2"/>
+              <a:buChar char="-"/>
             </a:pPr>
             <a:endParaRPr lang="en-US" sz="3000" dirty="0">
               <a:latin typeface="Calibri (Textkörper)"/>
@@ -5270,6 +5279,16 @@
                 <a:latin typeface="Calibri (Textkörper)"/>
                 <a:ea typeface="Calibri" panose="020F0502020204030204" pitchFamily="34" charset="0"/>
               </a:rPr>
+              <a:t>Hadoop Container</a:t>
+            </a:r>
+          </a:p>
+          <a:p>
+            <a:pPr lvl="1"/>
+            <a:r>
+              <a:rPr lang="en-US" sz="1800" dirty="0">
+                <a:latin typeface="Calibri (Textkörper)"/>
+                <a:ea typeface="Calibri" panose="020F0502020204030204" pitchFamily="34" charset="0"/>
+              </a:rPr>
               <a:t>Airflow Container:</a:t>
             </a:r>
           </a:p>
@@ -5320,6 +5339,20 @@
                 <a:latin typeface="Calibri (Textkörper)"/>
                 <a:ea typeface="Calibri" panose="020F0502020204030204" pitchFamily="34" charset="0"/>
               </a:rPr>
+              <a:t>MySQL Container</a:t>
+            </a:r>
+            <a:endParaRPr lang="en-US" sz="1400" dirty="0">
+              <a:latin typeface="Calibri (Textkörper)"/>
+              <a:ea typeface="Calibri" panose="020F0502020204030204" pitchFamily="34" charset="0"/>
+            </a:endParaRPr>
+          </a:p>
+          <a:p>
+            <a:pPr lvl="1"/>
+            <a:r>
+              <a:rPr lang="en-US" sz="1800" dirty="0">
+                <a:latin typeface="Calibri (Textkörper)"/>
+                <a:ea typeface="Calibri" panose="020F0502020204030204" pitchFamily="34" charset="0"/>
+              </a:rPr>
               <a:t>Databases:</a:t>
             </a:r>
           </a:p>
@@ -5411,13 +5444,6 @@
               <a:t>mtg_cards</a:t>
             </a:r>
             <a:endParaRPr lang="en-US" sz="1200" dirty="0">
-              <a:latin typeface="Calibri (Textkörper)"/>
-              <a:ea typeface="Calibri" panose="020F0502020204030204" pitchFamily="34" charset="0"/>
-            </a:endParaRPr>
-          </a:p>
-          <a:p>
-            <a:pPr lvl="1"/>
-            <a:endParaRPr lang="en-US" sz="1800" dirty="0">
               <a:latin typeface="Calibri (Textkörper)"/>
               <a:ea typeface="Calibri" panose="020F0502020204030204" pitchFamily="34" charset="0"/>
             </a:endParaRPr>
@@ -6072,7 +6098,15 @@
           <a:p>
             <a:r>
               <a:rPr lang="en-US" dirty="0"/>
-              <a:t>MySQL Docker Container</a:t>
+              <a:t>Die </a:t>
+            </a:r>
+            <a:r>
+              <a:rPr lang="en-US" dirty="0" err="1"/>
+              <a:t>verschiedenen</a:t>
+            </a:r>
+            <a:r>
+              <a:rPr lang="en-US" dirty="0"/>
+              <a:t> Docker Container</a:t>
             </a:r>
           </a:p>
           <a:p>
